--- a/Bloque 6 - MVVM/Taller20 - MVVM.pptx
+++ b/Bloque 6 - MVVM/Taller20 - MVVM.pptx
@@ -6,13 +6,16 @@
     <p:sldMasterId id="2147483793" r:id="rId2"/>
   </p:sldMasterIdLst>
   <p:notesMasterIdLst>
-    <p:notesMasterId r:id="rId7"/>
+    <p:notesMasterId r:id="rId10"/>
   </p:notesMasterIdLst>
   <p:sldIdLst>
     <p:sldId id="291" r:id="rId3"/>
-    <p:sldId id="297" r:id="rId4"/>
-    <p:sldId id="298" r:id="rId5"/>
-    <p:sldId id="282" r:id="rId6"/>
+    <p:sldId id="2147469518" r:id="rId4"/>
+    <p:sldId id="297" r:id="rId5"/>
+    <p:sldId id="298" r:id="rId6"/>
+    <p:sldId id="2147469519" r:id="rId7"/>
+    <p:sldId id="293" r:id="rId8"/>
+    <p:sldId id="282" r:id="rId9"/>
   </p:sldIdLst>
   <p:sldSz cx="12192000" cy="6858000"/>
   <p:notesSz cx="6858000" cy="9144000"/>
@@ -3451,7 +3454,7 @@
           <a:p>
             <a:fld id="{A334C884-B1D7-A043-A4AA-521744755A4B}" type="datetimeFigureOut">
               <a:rPr lang="en-US" smtClean="0"/>
-              <a:t>4/2/2022</a:t>
+              <a:t>5/15/2022</a:t>
             </a:fld>
             <a:endParaRPr lang="en-US"/>
           </a:p>
@@ -3789,7 +3792,7 @@
               <a:pPr>
                 <a:defRPr/>
               </a:pPr>
-              <a:t>2</a:t>
+              <a:t>3</a:t>
             </a:fld>
             <a:endParaRPr lang="en-US"/>
           </a:p>
@@ -3879,7 +3882,7 @@
               <a:pPr>
                 <a:defRPr/>
               </a:pPr>
-              <a:t>3</a:t>
+              <a:t>4</a:t>
             </a:fld>
             <a:endParaRPr lang="en-US"/>
           </a:p>
@@ -4017,7 +4020,7 @@
           <a:p>
             <a:fld id="{E74353ED-ACB2-44BF-A903-985B0AF962B7}" type="datetime1">
               <a:rPr lang="en-US" smtClean="0"/>
-              <a:t>4/2/2022</a:t>
+              <a:t>5/15/2022</a:t>
             </a:fld>
             <a:endParaRPr lang="en-US" dirty="0"/>
           </a:p>
@@ -4041,7 +4044,7 @@
             <a:fld id="{B4008EB6-D09E-4580-8CD6-DDB14511944F}" type="slidenum">
               <a:rPr lang="en-US" smtClean="0"/>
               <a:pPr/>
-              <a:t>4</a:t>
+              <a:t>7</a:t>
             </a:fld>
             <a:endParaRPr lang="en-US" dirty="0"/>
           </a:p>
@@ -6745,6 +6748,281 @@
 </file>
 
 <file path=ppt/slideLayouts/slideLayout18.xml><?xml version="1.0" encoding="utf-8"?>
+<p:sldLayout xmlns:a="http://schemas.openxmlformats.org/drawingml/2006/main" xmlns:r="http://schemas.openxmlformats.org/officeDocument/2006/relationships" xmlns:p="http://schemas.openxmlformats.org/presentationml/2006/main" type="title">
+  <p:cSld name="1_Title slide">
+    <p:spTree>
+      <p:nvGrpSpPr>
+        <p:cNvPr id="1" name="Shape 9"/>
+        <p:cNvGrpSpPr/>
+        <p:nvPr/>
+      </p:nvGrpSpPr>
+      <p:grpSpPr>
+        <a:xfrm>
+          <a:off x="0" y="0"/>
+          <a:ext cx="0" cy="0"/>
+          <a:chOff x="0" y="0"/>
+          <a:chExt cx="0" cy="0"/>
+        </a:xfrm>
+      </p:grpSpPr>
+      <p:sp>
+        <p:nvSpPr>
+          <p:cNvPr id="10" name="Shape 10"/>
+          <p:cNvSpPr txBox="1">
+            <a:spLocks noGrp="1"/>
+          </p:cNvSpPr>
+          <p:nvPr>
+            <p:ph type="ctrTitle"/>
+          </p:nvPr>
+        </p:nvSpPr>
+        <p:spPr>
+          <a:xfrm>
+            <a:off x="415611" y="992767"/>
+            <a:ext cx="11360800" cy="2736800"/>
+          </a:xfrm>
+          <a:prstGeom prst="rect">
+            <a:avLst/>
+          </a:prstGeom>
+        </p:spPr>
+        <p:txBody>
+          <a:bodyPr wrap="square" lIns="91425" tIns="91425" rIns="91425" bIns="91425" anchor="b" anchorCtr="0"/>
+          <a:lstStyle>
+            <a:lvl1pPr lvl="0" algn="ctr" rtl="0">
+              <a:spcBef>
+                <a:spcPts val="0"/>
+              </a:spcBef>
+              <a:buSzPct val="100000"/>
+              <a:defRPr sz="6933"/>
+            </a:lvl1pPr>
+            <a:lvl2pPr lvl="1" algn="ctr" rtl="0">
+              <a:spcBef>
+                <a:spcPts val="0"/>
+              </a:spcBef>
+              <a:buSzPct val="100000"/>
+              <a:defRPr sz="6933"/>
+            </a:lvl2pPr>
+            <a:lvl3pPr lvl="2" algn="ctr" rtl="0">
+              <a:spcBef>
+                <a:spcPts val="0"/>
+              </a:spcBef>
+              <a:buSzPct val="100000"/>
+              <a:defRPr sz="6933"/>
+            </a:lvl3pPr>
+            <a:lvl4pPr lvl="3" algn="ctr" rtl="0">
+              <a:spcBef>
+                <a:spcPts val="0"/>
+              </a:spcBef>
+              <a:buSzPct val="100000"/>
+              <a:defRPr sz="6933"/>
+            </a:lvl4pPr>
+            <a:lvl5pPr lvl="4" algn="ctr" rtl="0">
+              <a:spcBef>
+                <a:spcPts val="0"/>
+              </a:spcBef>
+              <a:buSzPct val="100000"/>
+              <a:defRPr sz="6933"/>
+            </a:lvl5pPr>
+            <a:lvl6pPr lvl="5" algn="ctr" rtl="0">
+              <a:spcBef>
+                <a:spcPts val="0"/>
+              </a:spcBef>
+              <a:buSzPct val="100000"/>
+              <a:defRPr sz="6933"/>
+            </a:lvl6pPr>
+            <a:lvl7pPr lvl="6" algn="ctr" rtl="0">
+              <a:spcBef>
+                <a:spcPts val="0"/>
+              </a:spcBef>
+              <a:buSzPct val="100000"/>
+              <a:defRPr sz="6933"/>
+            </a:lvl7pPr>
+            <a:lvl8pPr lvl="7" algn="ctr" rtl="0">
+              <a:spcBef>
+                <a:spcPts val="0"/>
+              </a:spcBef>
+              <a:buSzPct val="100000"/>
+              <a:defRPr sz="6933"/>
+            </a:lvl8pPr>
+            <a:lvl9pPr lvl="8" algn="ctr" rtl="0">
+              <a:spcBef>
+                <a:spcPts val="0"/>
+              </a:spcBef>
+              <a:buSzPct val="100000"/>
+              <a:defRPr sz="6933"/>
+            </a:lvl9pPr>
+          </a:lstStyle>
+          <a:p>
+            <a:endParaRPr/>
+          </a:p>
+        </p:txBody>
+      </p:sp>
+      <p:sp>
+        <p:nvSpPr>
+          <p:cNvPr id="11" name="Shape 11"/>
+          <p:cNvSpPr txBox="1">
+            <a:spLocks noGrp="1"/>
+          </p:cNvSpPr>
+          <p:nvPr>
+            <p:ph type="subTitle" idx="1"/>
+          </p:nvPr>
+        </p:nvSpPr>
+        <p:spPr>
+          <a:xfrm>
+            <a:off x="415600" y="3778833"/>
+            <a:ext cx="11360800" cy="759088"/>
+          </a:xfrm>
+          <a:prstGeom prst="rect">
+            <a:avLst/>
+          </a:prstGeom>
+        </p:spPr>
+        <p:txBody>
+          <a:bodyPr wrap="square" lIns="91425" tIns="91425" rIns="91425" bIns="91425" anchor="t" anchorCtr="0"/>
+          <a:lstStyle>
+            <a:lvl1pPr lvl="0" algn="ctr" rtl="0">
+              <a:lnSpc>
+                <a:spcPct val="100000"/>
+              </a:lnSpc>
+              <a:spcBef>
+                <a:spcPts val="0"/>
+              </a:spcBef>
+              <a:spcAft>
+                <a:spcPts val="0"/>
+              </a:spcAft>
+              <a:buSzPct val="100000"/>
+              <a:buNone/>
+              <a:defRPr sz="3733"/>
+            </a:lvl1pPr>
+            <a:lvl2pPr lvl="1" algn="ctr" rtl="0">
+              <a:lnSpc>
+                <a:spcPct val="100000"/>
+              </a:lnSpc>
+              <a:spcBef>
+                <a:spcPts val="0"/>
+              </a:spcBef>
+              <a:spcAft>
+                <a:spcPts val="0"/>
+              </a:spcAft>
+              <a:buSzPct val="100000"/>
+              <a:buNone/>
+              <a:defRPr sz="3733"/>
+            </a:lvl2pPr>
+            <a:lvl3pPr lvl="2" algn="ctr" rtl="0">
+              <a:lnSpc>
+                <a:spcPct val="100000"/>
+              </a:lnSpc>
+              <a:spcBef>
+                <a:spcPts val="0"/>
+              </a:spcBef>
+              <a:spcAft>
+                <a:spcPts val="0"/>
+              </a:spcAft>
+              <a:buSzPct val="100000"/>
+              <a:buNone/>
+              <a:defRPr sz="3733"/>
+            </a:lvl3pPr>
+            <a:lvl4pPr lvl="3" algn="ctr" rtl="0">
+              <a:lnSpc>
+                <a:spcPct val="100000"/>
+              </a:lnSpc>
+              <a:spcBef>
+                <a:spcPts val="0"/>
+              </a:spcBef>
+              <a:spcAft>
+                <a:spcPts val="0"/>
+              </a:spcAft>
+              <a:buSzPct val="100000"/>
+              <a:buNone/>
+              <a:defRPr sz="3733"/>
+            </a:lvl4pPr>
+            <a:lvl5pPr lvl="4" algn="ctr" rtl="0">
+              <a:lnSpc>
+                <a:spcPct val="100000"/>
+              </a:lnSpc>
+              <a:spcBef>
+                <a:spcPts val="0"/>
+              </a:spcBef>
+              <a:spcAft>
+                <a:spcPts val="0"/>
+              </a:spcAft>
+              <a:buSzPct val="100000"/>
+              <a:buNone/>
+              <a:defRPr sz="3733"/>
+            </a:lvl5pPr>
+            <a:lvl6pPr lvl="5" algn="ctr" rtl="0">
+              <a:lnSpc>
+                <a:spcPct val="100000"/>
+              </a:lnSpc>
+              <a:spcBef>
+                <a:spcPts val="0"/>
+              </a:spcBef>
+              <a:spcAft>
+                <a:spcPts val="0"/>
+              </a:spcAft>
+              <a:buSzPct val="100000"/>
+              <a:buNone/>
+              <a:defRPr sz="3733"/>
+            </a:lvl6pPr>
+            <a:lvl7pPr lvl="6" algn="ctr" rtl="0">
+              <a:lnSpc>
+                <a:spcPct val="100000"/>
+              </a:lnSpc>
+              <a:spcBef>
+                <a:spcPts val="0"/>
+              </a:spcBef>
+              <a:spcAft>
+                <a:spcPts val="0"/>
+              </a:spcAft>
+              <a:buSzPct val="100000"/>
+              <a:buNone/>
+              <a:defRPr sz="3733"/>
+            </a:lvl7pPr>
+            <a:lvl8pPr lvl="7" algn="ctr" rtl="0">
+              <a:lnSpc>
+                <a:spcPct val="100000"/>
+              </a:lnSpc>
+              <a:spcBef>
+                <a:spcPts val="0"/>
+              </a:spcBef>
+              <a:spcAft>
+                <a:spcPts val="0"/>
+              </a:spcAft>
+              <a:buSzPct val="100000"/>
+              <a:buNone/>
+              <a:defRPr sz="3733"/>
+            </a:lvl8pPr>
+            <a:lvl9pPr lvl="8" algn="ctr" rtl="0">
+              <a:lnSpc>
+                <a:spcPct val="100000"/>
+              </a:lnSpc>
+              <a:spcBef>
+                <a:spcPts val="0"/>
+              </a:spcBef>
+              <a:spcAft>
+                <a:spcPts val="0"/>
+              </a:spcAft>
+              <a:buSzPct val="100000"/>
+              <a:buNone/>
+              <a:defRPr sz="3733"/>
+            </a:lvl9pPr>
+          </a:lstStyle>
+          <a:p>
+            <a:endParaRPr/>
+          </a:p>
+        </p:txBody>
+      </p:sp>
+    </p:spTree>
+    <p:extLst>
+      <p:ext uri="{BB962C8B-B14F-4D97-AF65-F5344CB8AC3E}">
+        <p14:creationId xmlns:p14="http://schemas.microsoft.com/office/powerpoint/2010/main" val="222486392"/>
+      </p:ext>
+    </p:extLst>
+  </p:cSld>
+  <p:clrMapOvr>
+    <a:masterClrMapping/>
+  </p:clrMapOvr>
+</p:sldLayout>
+</file>
+
+<file path=ppt/slideLayouts/slideLayout19.xml><?xml version="1.0" encoding="utf-8"?>
 <p:sldLayout xmlns:a="http://schemas.openxmlformats.org/drawingml/2006/main" xmlns:r="http://schemas.openxmlformats.org/officeDocument/2006/relationships" xmlns:p="http://schemas.openxmlformats.org/presentationml/2006/main" type="title" preserve="1">
   <p:cSld name="Title Slide">
     <p:spTree>
@@ -6891,7 +7169,7 @@
           <a:p>
             <a:fld id="{0A627400-D089-7447-864B-77479EBD4214}" type="datetimeFigureOut">
               <a:rPr lang="en-US" smtClean="0"/>
-              <a:t>4/2/2022</a:t>
+              <a:t>5/15/2022</a:t>
             </a:fld>
             <a:endParaRPr lang="en-US"/>
           </a:p>
@@ -6955,204 +7233,6 @@
     <p:extLst>
       <p:ext uri="{BB962C8B-B14F-4D97-AF65-F5344CB8AC3E}">
         <p14:creationId xmlns:p14="http://schemas.microsoft.com/office/powerpoint/2010/main" val="4204642310"/>
-      </p:ext>
-    </p:extLst>
-  </p:cSld>
-  <p:clrMapOvr>
-    <a:masterClrMapping/>
-  </p:clrMapOvr>
-</p:sldLayout>
-</file>
-
-<file path=ppt/slideLayouts/slideLayout19.xml><?xml version="1.0" encoding="utf-8"?>
-<p:sldLayout xmlns:a="http://schemas.openxmlformats.org/drawingml/2006/main" xmlns:r="http://schemas.openxmlformats.org/officeDocument/2006/relationships" xmlns:p="http://schemas.openxmlformats.org/presentationml/2006/main" type="obj" preserve="1">
-  <p:cSld name="Title and Content">
-    <p:spTree>
-      <p:nvGrpSpPr>
-        <p:cNvPr id="1" name=""/>
-        <p:cNvGrpSpPr/>
-        <p:nvPr/>
-      </p:nvGrpSpPr>
-      <p:grpSpPr>
-        <a:xfrm>
-          <a:off x="0" y="0"/>
-          <a:ext cx="0" cy="0"/>
-          <a:chOff x="0" y="0"/>
-          <a:chExt cx="0" cy="0"/>
-        </a:xfrm>
-      </p:grpSpPr>
-      <p:sp>
-        <p:nvSpPr>
-          <p:cNvPr id="2" name="Title 1">
-            <a:extLst>
-              <a:ext uri="{FF2B5EF4-FFF2-40B4-BE49-F238E27FC236}">
-                <a16:creationId xmlns:a16="http://schemas.microsoft.com/office/drawing/2014/main" id="{CB6399F2-9FD3-8B4E-8048-995480BDB88F}"/>
-              </a:ext>
-            </a:extLst>
-          </p:cNvPr>
-          <p:cNvSpPr>
-            <a:spLocks noGrp="1"/>
-          </p:cNvSpPr>
-          <p:nvPr>
-            <p:ph type="title"/>
-          </p:nvPr>
-        </p:nvSpPr>
-        <p:spPr/>
-        <p:txBody>
-          <a:bodyPr/>
-          <a:lstStyle/>
-          <a:p>
-            <a:r>
-              <a:rPr lang="en-US"/>
-              <a:t>Click to edit Master title style</a:t>
-            </a:r>
-          </a:p>
-        </p:txBody>
-      </p:sp>
-      <p:sp>
-        <p:nvSpPr>
-          <p:cNvPr id="3" name="Content Placeholder 2">
-            <a:extLst>
-              <a:ext uri="{FF2B5EF4-FFF2-40B4-BE49-F238E27FC236}">
-                <a16:creationId xmlns:a16="http://schemas.microsoft.com/office/drawing/2014/main" id="{AAB54250-677E-6B4A-9CDF-D7632551AA79}"/>
-              </a:ext>
-            </a:extLst>
-          </p:cNvPr>
-          <p:cNvSpPr>
-            <a:spLocks noGrp="1"/>
-          </p:cNvSpPr>
-          <p:nvPr>
-            <p:ph idx="1"/>
-          </p:nvPr>
-        </p:nvSpPr>
-        <p:spPr/>
-        <p:txBody>
-          <a:bodyPr/>
-          <a:lstStyle/>
-          <a:p>
-            <a:pPr lvl="0"/>
-            <a:r>
-              <a:rPr lang="en-US"/>
-              <a:t>Click to edit Master text styles</a:t>
-            </a:r>
-          </a:p>
-          <a:p>
-            <a:pPr lvl="1"/>
-            <a:r>
-              <a:rPr lang="en-US"/>
-              <a:t>Second level</a:t>
-            </a:r>
-          </a:p>
-          <a:p>
-            <a:pPr lvl="2"/>
-            <a:r>
-              <a:rPr lang="en-US"/>
-              <a:t>Third level</a:t>
-            </a:r>
-          </a:p>
-          <a:p>
-            <a:pPr lvl="3"/>
-            <a:r>
-              <a:rPr lang="en-US"/>
-              <a:t>Fourth level</a:t>
-            </a:r>
-          </a:p>
-          <a:p>
-            <a:pPr lvl="4"/>
-            <a:r>
-              <a:rPr lang="en-US"/>
-              <a:t>Fifth level</a:t>
-            </a:r>
-          </a:p>
-        </p:txBody>
-      </p:sp>
-      <p:sp>
-        <p:nvSpPr>
-          <p:cNvPr id="4" name="Date Placeholder 3">
-            <a:extLst>
-              <a:ext uri="{FF2B5EF4-FFF2-40B4-BE49-F238E27FC236}">
-                <a16:creationId xmlns:a16="http://schemas.microsoft.com/office/drawing/2014/main" id="{C99FCBBF-D6D0-BC4D-AB0A-B11358ED6DBC}"/>
-              </a:ext>
-            </a:extLst>
-          </p:cNvPr>
-          <p:cNvSpPr>
-            <a:spLocks noGrp="1"/>
-          </p:cNvSpPr>
-          <p:nvPr>
-            <p:ph type="dt" sz="half" idx="10"/>
-          </p:nvPr>
-        </p:nvSpPr>
-        <p:spPr/>
-        <p:txBody>
-          <a:bodyPr/>
-          <a:lstStyle/>
-          <a:p>
-            <a:fld id="{0A627400-D089-7447-864B-77479EBD4214}" type="datetimeFigureOut">
-              <a:rPr lang="en-US" smtClean="0"/>
-              <a:t>4/2/2022</a:t>
-            </a:fld>
-            <a:endParaRPr lang="en-US"/>
-          </a:p>
-        </p:txBody>
-      </p:sp>
-      <p:sp>
-        <p:nvSpPr>
-          <p:cNvPr id="5" name="Footer Placeholder 4">
-            <a:extLst>
-              <a:ext uri="{FF2B5EF4-FFF2-40B4-BE49-F238E27FC236}">
-                <a16:creationId xmlns:a16="http://schemas.microsoft.com/office/drawing/2014/main" id="{DE3FDE89-536E-3147-B351-C6AFED60EC04}"/>
-              </a:ext>
-            </a:extLst>
-          </p:cNvPr>
-          <p:cNvSpPr>
-            <a:spLocks noGrp="1"/>
-          </p:cNvSpPr>
-          <p:nvPr>
-            <p:ph type="ftr" sz="quarter" idx="11"/>
-          </p:nvPr>
-        </p:nvSpPr>
-        <p:spPr/>
-        <p:txBody>
-          <a:bodyPr/>
-          <a:lstStyle/>
-          <a:p>
-            <a:endParaRPr lang="en-US"/>
-          </a:p>
-        </p:txBody>
-      </p:sp>
-      <p:sp>
-        <p:nvSpPr>
-          <p:cNvPr id="6" name="Slide Number Placeholder 5">
-            <a:extLst>
-              <a:ext uri="{FF2B5EF4-FFF2-40B4-BE49-F238E27FC236}">
-                <a16:creationId xmlns:a16="http://schemas.microsoft.com/office/drawing/2014/main" id="{6D5BF063-6C5B-EA48-8839-3A445E637FA8}"/>
-              </a:ext>
-            </a:extLst>
-          </p:cNvPr>
-          <p:cNvSpPr>
-            <a:spLocks noGrp="1"/>
-          </p:cNvSpPr>
-          <p:nvPr>
-            <p:ph type="sldNum" sz="quarter" idx="12"/>
-          </p:nvPr>
-        </p:nvSpPr>
-        <p:spPr/>
-        <p:txBody>
-          <a:bodyPr/>
-          <a:lstStyle/>
-          <a:p>
-            <a:fld id="{CDACE531-2FE7-1449-9EEA-A972806695F4}" type="slidenum">
-              <a:rPr lang="en-US" smtClean="0"/>
-              <a:t>‹#›</a:t>
-            </a:fld>
-            <a:endParaRPr lang="en-US"/>
-          </a:p>
-        </p:txBody>
-      </p:sp>
-    </p:spTree>
-    <p:extLst>
-      <p:ext uri="{BB962C8B-B14F-4D97-AF65-F5344CB8AC3E}">
-        <p14:creationId xmlns:p14="http://schemas.microsoft.com/office/powerpoint/2010/main" val="795375910"/>
       </p:ext>
     </p:extLst>
   </p:cSld>
@@ -7363,6 +7443,204 @@
 </file>
 
 <file path=ppt/slideLayouts/slideLayout20.xml><?xml version="1.0" encoding="utf-8"?>
+<p:sldLayout xmlns:a="http://schemas.openxmlformats.org/drawingml/2006/main" xmlns:r="http://schemas.openxmlformats.org/officeDocument/2006/relationships" xmlns:p="http://schemas.openxmlformats.org/presentationml/2006/main" type="obj" preserve="1">
+  <p:cSld name="Title and Content">
+    <p:spTree>
+      <p:nvGrpSpPr>
+        <p:cNvPr id="1" name=""/>
+        <p:cNvGrpSpPr/>
+        <p:nvPr/>
+      </p:nvGrpSpPr>
+      <p:grpSpPr>
+        <a:xfrm>
+          <a:off x="0" y="0"/>
+          <a:ext cx="0" cy="0"/>
+          <a:chOff x="0" y="0"/>
+          <a:chExt cx="0" cy="0"/>
+        </a:xfrm>
+      </p:grpSpPr>
+      <p:sp>
+        <p:nvSpPr>
+          <p:cNvPr id="2" name="Title 1">
+            <a:extLst>
+              <a:ext uri="{FF2B5EF4-FFF2-40B4-BE49-F238E27FC236}">
+                <a16:creationId xmlns:a16="http://schemas.microsoft.com/office/drawing/2014/main" id="{CB6399F2-9FD3-8B4E-8048-995480BDB88F}"/>
+              </a:ext>
+            </a:extLst>
+          </p:cNvPr>
+          <p:cNvSpPr>
+            <a:spLocks noGrp="1"/>
+          </p:cNvSpPr>
+          <p:nvPr>
+            <p:ph type="title"/>
+          </p:nvPr>
+        </p:nvSpPr>
+        <p:spPr/>
+        <p:txBody>
+          <a:bodyPr/>
+          <a:lstStyle/>
+          <a:p>
+            <a:r>
+              <a:rPr lang="en-US"/>
+              <a:t>Click to edit Master title style</a:t>
+            </a:r>
+          </a:p>
+        </p:txBody>
+      </p:sp>
+      <p:sp>
+        <p:nvSpPr>
+          <p:cNvPr id="3" name="Content Placeholder 2">
+            <a:extLst>
+              <a:ext uri="{FF2B5EF4-FFF2-40B4-BE49-F238E27FC236}">
+                <a16:creationId xmlns:a16="http://schemas.microsoft.com/office/drawing/2014/main" id="{AAB54250-677E-6B4A-9CDF-D7632551AA79}"/>
+              </a:ext>
+            </a:extLst>
+          </p:cNvPr>
+          <p:cNvSpPr>
+            <a:spLocks noGrp="1"/>
+          </p:cNvSpPr>
+          <p:nvPr>
+            <p:ph idx="1"/>
+          </p:nvPr>
+        </p:nvSpPr>
+        <p:spPr/>
+        <p:txBody>
+          <a:bodyPr/>
+          <a:lstStyle/>
+          <a:p>
+            <a:pPr lvl="0"/>
+            <a:r>
+              <a:rPr lang="en-US"/>
+              <a:t>Click to edit Master text styles</a:t>
+            </a:r>
+          </a:p>
+          <a:p>
+            <a:pPr lvl="1"/>
+            <a:r>
+              <a:rPr lang="en-US"/>
+              <a:t>Second level</a:t>
+            </a:r>
+          </a:p>
+          <a:p>
+            <a:pPr lvl="2"/>
+            <a:r>
+              <a:rPr lang="en-US"/>
+              <a:t>Third level</a:t>
+            </a:r>
+          </a:p>
+          <a:p>
+            <a:pPr lvl="3"/>
+            <a:r>
+              <a:rPr lang="en-US"/>
+              <a:t>Fourth level</a:t>
+            </a:r>
+          </a:p>
+          <a:p>
+            <a:pPr lvl="4"/>
+            <a:r>
+              <a:rPr lang="en-US"/>
+              <a:t>Fifth level</a:t>
+            </a:r>
+          </a:p>
+        </p:txBody>
+      </p:sp>
+      <p:sp>
+        <p:nvSpPr>
+          <p:cNvPr id="4" name="Date Placeholder 3">
+            <a:extLst>
+              <a:ext uri="{FF2B5EF4-FFF2-40B4-BE49-F238E27FC236}">
+                <a16:creationId xmlns:a16="http://schemas.microsoft.com/office/drawing/2014/main" id="{C99FCBBF-D6D0-BC4D-AB0A-B11358ED6DBC}"/>
+              </a:ext>
+            </a:extLst>
+          </p:cNvPr>
+          <p:cNvSpPr>
+            <a:spLocks noGrp="1"/>
+          </p:cNvSpPr>
+          <p:nvPr>
+            <p:ph type="dt" sz="half" idx="10"/>
+          </p:nvPr>
+        </p:nvSpPr>
+        <p:spPr/>
+        <p:txBody>
+          <a:bodyPr/>
+          <a:lstStyle/>
+          <a:p>
+            <a:fld id="{0A627400-D089-7447-864B-77479EBD4214}" type="datetimeFigureOut">
+              <a:rPr lang="en-US" smtClean="0"/>
+              <a:t>5/15/2022</a:t>
+            </a:fld>
+            <a:endParaRPr lang="en-US"/>
+          </a:p>
+        </p:txBody>
+      </p:sp>
+      <p:sp>
+        <p:nvSpPr>
+          <p:cNvPr id="5" name="Footer Placeholder 4">
+            <a:extLst>
+              <a:ext uri="{FF2B5EF4-FFF2-40B4-BE49-F238E27FC236}">
+                <a16:creationId xmlns:a16="http://schemas.microsoft.com/office/drawing/2014/main" id="{DE3FDE89-536E-3147-B351-C6AFED60EC04}"/>
+              </a:ext>
+            </a:extLst>
+          </p:cNvPr>
+          <p:cNvSpPr>
+            <a:spLocks noGrp="1"/>
+          </p:cNvSpPr>
+          <p:nvPr>
+            <p:ph type="ftr" sz="quarter" idx="11"/>
+          </p:nvPr>
+        </p:nvSpPr>
+        <p:spPr/>
+        <p:txBody>
+          <a:bodyPr/>
+          <a:lstStyle/>
+          <a:p>
+            <a:endParaRPr lang="en-US"/>
+          </a:p>
+        </p:txBody>
+      </p:sp>
+      <p:sp>
+        <p:nvSpPr>
+          <p:cNvPr id="6" name="Slide Number Placeholder 5">
+            <a:extLst>
+              <a:ext uri="{FF2B5EF4-FFF2-40B4-BE49-F238E27FC236}">
+                <a16:creationId xmlns:a16="http://schemas.microsoft.com/office/drawing/2014/main" id="{6D5BF063-6C5B-EA48-8839-3A445E637FA8}"/>
+              </a:ext>
+            </a:extLst>
+          </p:cNvPr>
+          <p:cNvSpPr>
+            <a:spLocks noGrp="1"/>
+          </p:cNvSpPr>
+          <p:nvPr>
+            <p:ph type="sldNum" sz="quarter" idx="12"/>
+          </p:nvPr>
+        </p:nvSpPr>
+        <p:spPr/>
+        <p:txBody>
+          <a:bodyPr/>
+          <a:lstStyle/>
+          <a:p>
+            <a:fld id="{CDACE531-2FE7-1449-9EEA-A972806695F4}" type="slidenum">
+              <a:rPr lang="en-US" smtClean="0"/>
+              <a:t>‹#›</a:t>
+            </a:fld>
+            <a:endParaRPr lang="en-US"/>
+          </a:p>
+        </p:txBody>
+      </p:sp>
+    </p:spTree>
+    <p:extLst>
+      <p:ext uri="{BB962C8B-B14F-4D97-AF65-F5344CB8AC3E}">
+        <p14:creationId xmlns:p14="http://schemas.microsoft.com/office/powerpoint/2010/main" val="795375910"/>
+      </p:ext>
+    </p:extLst>
+  </p:cSld>
+  <p:clrMapOvr>
+    <a:masterClrMapping/>
+  </p:clrMapOvr>
+</p:sldLayout>
+</file>
+
+<file path=ppt/slideLayouts/slideLayout21.xml><?xml version="1.0" encoding="utf-8"?>
 <p:sldLayout xmlns:a="http://schemas.openxmlformats.org/drawingml/2006/main" xmlns:r="http://schemas.openxmlformats.org/officeDocument/2006/relationships" xmlns:p="http://schemas.openxmlformats.org/presentationml/2006/main" type="secHead" preserve="1">
   <p:cSld name="Section Header">
     <p:spTree>
@@ -7564,7 +7842,7 @@
           <a:p>
             <a:fld id="{0A627400-D089-7447-864B-77479EBD4214}" type="datetimeFigureOut">
               <a:rPr lang="en-US" smtClean="0"/>
-              <a:t>4/2/2022</a:t>
+              <a:t>5/15/2022</a:t>
             </a:fld>
             <a:endParaRPr lang="en-US"/>
           </a:p>
@@ -7637,7 +7915,7 @@
 </p:sldLayout>
 </file>
 
-<file path=ppt/slideLayouts/slideLayout21.xml><?xml version="1.0" encoding="utf-8"?>
+<file path=ppt/slideLayouts/slideLayout22.xml><?xml version="1.0" encoding="utf-8"?>
 <p:sldLayout xmlns:a="http://schemas.openxmlformats.org/drawingml/2006/main" xmlns:r="http://schemas.openxmlformats.org/officeDocument/2006/relationships" xmlns:p="http://schemas.openxmlformats.org/presentationml/2006/main" type="twoObj" preserve="1">
   <p:cSld name="Two Content">
     <p:spTree>
@@ -7829,7 +8107,7 @@
           <a:p>
             <a:fld id="{0A627400-D089-7447-864B-77479EBD4214}" type="datetimeFigureOut">
               <a:rPr lang="en-US" smtClean="0"/>
-              <a:t>4/2/2022</a:t>
+              <a:t>5/15/2022</a:t>
             </a:fld>
             <a:endParaRPr lang="en-US"/>
           </a:p>
@@ -7902,7 +8180,7 @@
 </p:sldLayout>
 </file>
 
-<file path=ppt/slideLayouts/slideLayout22.xml><?xml version="1.0" encoding="utf-8"?>
+<file path=ppt/slideLayouts/slideLayout23.xml><?xml version="1.0" encoding="utf-8"?>
 <p:sldLayout xmlns:a="http://schemas.openxmlformats.org/drawingml/2006/main" xmlns:r="http://schemas.openxmlformats.org/officeDocument/2006/relationships" xmlns:p="http://schemas.openxmlformats.org/presentationml/2006/main" type="twoTxTwoObj" preserve="1">
   <p:cSld name="Comparison">
     <p:spTree>
@@ -8241,7 +8519,7 @@
           <a:p>
             <a:fld id="{0A627400-D089-7447-864B-77479EBD4214}" type="datetimeFigureOut">
               <a:rPr lang="en-US" smtClean="0"/>
-              <a:t>4/2/2022</a:t>
+              <a:t>5/15/2022</a:t>
             </a:fld>
             <a:endParaRPr lang="en-US"/>
           </a:p>
@@ -8314,7 +8592,7 @@
 </p:sldLayout>
 </file>
 
-<file path=ppt/slideLayouts/slideLayout23.xml><?xml version="1.0" encoding="utf-8"?>
+<file path=ppt/slideLayouts/slideLayout24.xml><?xml version="1.0" encoding="utf-8"?>
 <p:sldLayout xmlns:a="http://schemas.openxmlformats.org/drawingml/2006/main" xmlns:r="http://schemas.openxmlformats.org/officeDocument/2006/relationships" xmlns:p="http://schemas.openxmlformats.org/presentationml/2006/main" type="obj" preserve="1">
   <p:cSld name="Code Sample">
     <p:spTree>
@@ -8447,7 +8725,7 @@
           <a:p>
             <a:fld id="{0A627400-D089-7447-864B-77479EBD4214}" type="datetimeFigureOut">
               <a:rPr lang="en-US" smtClean="0"/>
-              <a:t>4/2/2022</a:t>
+              <a:t>5/15/2022</a:t>
             </a:fld>
             <a:endParaRPr lang="en-US"/>
           </a:p>
@@ -8520,7 +8798,7 @@
 </p:sldLayout>
 </file>
 
-<file path=ppt/slideLayouts/slideLayout24.xml><?xml version="1.0" encoding="utf-8"?>
+<file path=ppt/slideLayouts/slideLayout25.xml><?xml version="1.0" encoding="utf-8"?>
 <p:sldLayout xmlns:a="http://schemas.openxmlformats.org/drawingml/2006/main" xmlns:r="http://schemas.openxmlformats.org/officeDocument/2006/relationships" xmlns:p="http://schemas.openxmlformats.org/presentationml/2006/main" preserve="1" userDrawn="1">
   <p:cSld name="Progress">
     <p:spTree>
@@ -8589,7 +8867,7 @@
             <a:fld id="{0A627400-D089-7447-864B-77479EBD4214}" type="datetimeFigureOut">
               <a:rPr lang="en-US" smtClean="0"/>
               <a:pPr/>
-              <a:t>4/2/2022</a:t>
+              <a:t>5/15/2022</a:t>
             </a:fld>
             <a:endParaRPr lang="en-US"/>
           </a:p>
@@ -8685,7 +8963,7 @@
 </p:sldLayout>
 </file>
 
-<file path=ppt/slideLayouts/slideLayout25.xml><?xml version="1.0" encoding="utf-8"?>
+<file path=ppt/slideLayouts/slideLayout26.xml><?xml version="1.0" encoding="utf-8"?>
 <p:sldLayout xmlns:a="http://schemas.openxmlformats.org/drawingml/2006/main" xmlns:r="http://schemas.openxmlformats.org/officeDocument/2006/relationships" xmlns:p="http://schemas.openxmlformats.org/presentationml/2006/main" type="titleOnly" preserve="1">
   <p:cSld name="Title Only">
     <p:spTree>
@@ -8753,7 +9031,7 @@
           <a:p>
             <a:fld id="{0A627400-D089-7447-864B-77479EBD4214}" type="datetimeFigureOut">
               <a:rPr lang="en-US" smtClean="0"/>
-              <a:t>4/2/2022</a:t>
+              <a:t>5/15/2022</a:t>
             </a:fld>
             <a:endParaRPr lang="en-US"/>
           </a:p>
@@ -8826,7 +9104,7 @@
 </p:sldLayout>
 </file>
 
-<file path=ppt/slideLayouts/slideLayout26.xml><?xml version="1.0" encoding="utf-8"?>
+<file path=ppt/slideLayouts/slideLayout27.xml><?xml version="1.0" encoding="utf-8"?>
 <p:sldLayout xmlns:a="http://schemas.openxmlformats.org/drawingml/2006/main" xmlns:r="http://schemas.openxmlformats.org/officeDocument/2006/relationships" xmlns:p="http://schemas.openxmlformats.org/presentationml/2006/main" type="blank" preserve="1">
   <p:cSld name="Blank">
     <p:spTree>
@@ -8866,7 +9144,7 @@
           <a:p>
             <a:fld id="{0A627400-D089-7447-864B-77479EBD4214}" type="datetimeFigureOut">
               <a:rPr lang="en-US" smtClean="0"/>
-              <a:t>4/2/2022</a:t>
+              <a:t>5/15/2022</a:t>
             </a:fld>
             <a:endParaRPr lang="en-US"/>
           </a:p>
@@ -8939,7 +9217,7 @@
 </p:sldLayout>
 </file>
 
-<file path=ppt/slideLayouts/slideLayout27.xml><?xml version="1.0" encoding="utf-8"?>
+<file path=ppt/slideLayouts/slideLayout28.xml><?xml version="1.0" encoding="utf-8"?>
 <p:sldLayout xmlns:a="http://schemas.openxmlformats.org/drawingml/2006/main" xmlns:r="http://schemas.openxmlformats.org/officeDocument/2006/relationships" xmlns:p="http://schemas.openxmlformats.org/presentationml/2006/main" type="objTx" preserve="1">
   <p:cSld name="Content with Caption">
     <p:spTree>
@@ -9177,7 +9455,7 @@
           <a:p>
             <a:fld id="{0A627400-D089-7447-864B-77479EBD4214}" type="datetimeFigureOut">
               <a:rPr lang="en-US" smtClean="0"/>
-              <a:t>4/2/2022</a:t>
+              <a:t>5/15/2022</a:t>
             </a:fld>
             <a:endParaRPr lang="en-US"/>
           </a:p>
@@ -9250,7 +9528,7 @@
 </p:sldLayout>
 </file>
 
-<file path=ppt/slideLayouts/slideLayout28.xml><?xml version="1.0" encoding="utf-8"?>
+<file path=ppt/slideLayouts/slideLayout29.xml><?xml version="1.0" encoding="utf-8"?>
 <p:sldLayout xmlns:a="http://schemas.openxmlformats.org/drawingml/2006/main" xmlns:r="http://schemas.openxmlformats.org/officeDocument/2006/relationships" xmlns:p="http://schemas.openxmlformats.org/presentationml/2006/main" type="picTx" preserve="1">
   <p:cSld name="Picture with Caption">
     <p:spTree>
@@ -9465,7 +9743,7 @@
           <a:p>
             <a:fld id="{0A627400-D089-7447-864B-77479EBD4214}" type="datetimeFigureOut">
               <a:rPr lang="en-US" smtClean="0"/>
-              <a:t>4/2/2022</a:t>
+              <a:t>5/15/2022</a:t>
             </a:fld>
             <a:endParaRPr lang="en-US"/>
           </a:p>
@@ -9535,139 +9813,6 @@
   <p:clrMapOvr>
     <a:masterClrMapping/>
   </p:clrMapOvr>
-</p:sldLayout>
-</file>
-
-<file path=ppt/slideLayouts/slideLayout29.xml><?xml version="1.0" encoding="utf-8"?>
-<p:sldLayout xmlns:a="http://schemas.openxmlformats.org/drawingml/2006/main" xmlns:r="http://schemas.openxmlformats.org/officeDocument/2006/relationships" xmlns:p="http://schemas.openxmlformats.org/presentationml/2006/main" userDrawn="1">
-  <p:cSld name="White Background">
-    <p:spTree>
-      <p:nvGrpSpPr>
-        <p:cNvPr id="1" name=""/>
-        <p:cNvGrpSpPr/>
-        <p:nvPr/>
-      </p:nvGrpSpPr>
-      <p:grpSpPr>
-        <a:xfrm>
-          <a:off x="0" y="0"/>
-          <a:ext cx="0" cy="0"/>
-          <a:chOff x="0" y="0"/>
-          <a:chExt cx="0" cy="0"/>
-        </a:xfrm>
-      </p:grpSpPr>
-      <p:sp>
-        <p:nvSpPr>
-          <p:cNvPr id="7" name="Title 2"/>
-          <p:cNvSpPr>
-            <a:spLocks noGrp="1"/>
-          </p:cNvSpPr>
-          <p:nvPr>
-            <p:ph type="title"/>
-          </p:nvPr>
-        </p:nvSpPr>
-        <p:spPr>
-          <a:xfrm>
-            <a:off x="538477" y="286382"/>
-            <a:ext cx="11653523" cy="927940"/>
-          </a:xfrm>
-          <a:prstGeom prst="rect">
-            <a:avLst/>
-          </a:prstGeom>
-        </p:spPr>
-        <p:txBody>
-          <a:bodyPr>
-            <a:normAutofit/>
-          </a:bodyPr>
-          <a:lstStyle>
-            <a:lvl1pPr algn="l">
-              <a:defRPr sz="4800" b="0">
-                <a:solidFill>
-                  <a:srgbClr val="505050"/>
-                </a:solidFill>
-                <a:latin typeface="Segoe UI Light" panose="020B0502040204020203" pitchFamily="34" charset="0"/>
-              </a:defRPr>
-            </a:lvl1pPr>
-          </a:lstStyle>
-          <a:p>
-            <a:r>
-              <a:rPr lang="en-US"/>
-              <a:t>Click to edit Master title style</a:t>
-            </a:r>
-          </a:p>
-        </p:txBody>
-      </p:sp>
-      <p:sp>
-        <p:nvSpPr>
-          <p:cNvPr id="4" name="Footer Placeholder 2"/>
-          <p:cNvSpPr>
-            <a:spLocks noGrp="1"/>
-          </p:cNvSpPr>
-          <p:nvPr>
-            <p:ph type="ftr" sz="quarter" idx="14"/>
-          </p:nvPr>
-        </p:nvSpPr>
-        <p:spPr/>
-        <p:txBody>
-          <a:bodyPr/>
-          <a:lstStyle>
-            <a:lvl1pPr fontAlgn="base">
-              <a:spcBef>
-                <a:spcPct val="0"/>
-              </a:spcBef>
-              <a:spcAft>
-                <a:spcPct val="0"/>
-              </a:spcAft>
-              <a:defRPr>
-                <a:solidFill>
-                  <a:srgbClr val="505050"/>
-                </a:solidFill>
-              </a:defRPr>
-            </a:lvl1pPr>
-          </a:lstStyle>
-          <a:p>
-            <a:pPr>
-              <a:defRPr/>
-            </a:pPr>
-            <a:endParaRPr/>
-          </a:p>
-        </p:txBody>
-      </p:sp>
-      <p:sp>
-        <p:nvSpPr>
-          <p:cNvPr id="5" name="Slide Number Placeholder 3"/>
-          <p:cNvSpPr>
-            <a:spLocks noGrp="1"/>
-          </p:cNvSpPr>
-          <p:nvPr>
-            <p:ph type="sldNum" sz="quarter" idx="15"/>
-          </p:nvPr>
-        </p:nvSpPr>
-        <p:spPr/>
-        <p:txBody>
-          <a:bodyPr/>
-          <a:lstStyle>
-            <a:lvl1pPr>
-              <a:defRPr/>
-            </a:lvl1pPr>
-          </a:lstStyle>
-          <a:p>
-            <a:endParaRPr lang="en-US"/>
-          </a:p>
-        </p:txBody>
-      </p:sp>
-    </p:spTree>
-    <p:extLst>
-      <p:ext uri="{BB962C8B-B14F-4D97-AF65-F5344CB8AC3E}">
-        <p14:creationId xmlns:p14="http://schemas.microsoft.com/office/powerpoint/2010/main" val="3515858324"/>
-      </p:ext>
-    </p:extLst>
-  </p:cSld>
-  <p:clrMapOvr>
-    <a:overrideClrMapping bg1="lt1" tx1="dk1" bg2="lt2" tx2="dk2" accent1="accent1" accent2="accent2" accent3="accent3" accent4="accent4" accent5="accent5" accent6="accent6" hlink="hlink" folHlink="folHlink"/>
-  </p:clrMapOvr>
-  <p:transition spd="med">
-    <p:fade/>
-  </p:transition>
 </p:sldLayout>
 </file>
 
@@ -9796,6 +9941,139 @@
 </file>
 
 <file path=ppt/slideLayouts/slideLayout30.xml><?xml version="1.0" encoding="utf-8"?>
+<p:sldLayout xmlns:a="http://schemas.openxmlformats.org/drawingml/2006/main" xmlns:r="http://schemas.openxmlformats.org/officeDocument/2006/relationships" xmlns:p="http://schemas.openxmlformats.org/presentationml/2006/main" userDrawn="1">
+  <p:cSld name="White Background">
+    <p:spTree>
+      <p:nvGrpSpPr>
+        <p:cNvPr id="1" name=""/>
+        <p:cNvGrpSpPr/>
+        <p:nvPr/>
+      </p:nvGrpSpPr>
+      <p:grpSpPr>
+        <a:xfrm>
+          <a:off x="0" y="0"/>
+          <a:ext cx="0" cy="0"/>
+          <a:chOff x="0" y="0"/>
+          <a:chExt cx="0" cy="0"/>
+        </a:xfrm>
+      </p:grpSpPr>
+      <p:sp>
+        <p:nvSpPr>
+          <p:cNvPr id="7" name="Title 2"/>
+          <p:cNvSpPr>
+            <a:spLocks noGrp="1"/>
+          </p:cNvSpPr>
+          <p:nvPr>
+            <p:ph type="title"/>
+          </p:nvPr>
+        </p:nvSpPr>
+        <p:spPr>
+          <a:xfrm>
+            <a:off x="538477" y="286382"/>
+            <a:ext cx="11653523" cy="927940"/>
+          </a:xfrm>
+          <a:prstGeom prst="rect">
+            <a:avLst/>
+          </a:prstGeom>
+        </p:spPr>
+        <p:txBody>
+          <a:bodyPr>
+            <a:normAutofit/>
+          </a:bodyPr>
+          <a:lstStyle>
+            <a:lvl1pPr algn="l">
+              <a:defRPr sz="4800" b="0">
+                <a:solidFill>
+                  <a:srgbClr val="505050"/>
+                </a:solidFill>
+                <a:latin typeface="Segoe UI Light" panose="020B0502040204020203" pitchFamily="34" charset="0"/>
+              </a:defRPr>
+            </a:lvl1pPr>
+          </a:lstStyle>
+          <a:p>
+            <a:r>
+              <a:rPr lang="en-US"/>
+              <a:t>Click to edit Master title style</a:t>
+            </a:r>
+          </a:p>
+        </p:txBody>
+      </p:sp>
+      <p:sp>
+        <p:nvSpPr>
+          <p:cNvPr id="4" name="Footer Placeholder 2"/>
+          <p:cNvSpPr>
+            <a:spLocks noGrp="1"/>
+          </p:cNvSpPr>
+          <p:nvPr>
+            <p:ph type="ftr" sz="quarter" idx="14"/>
+          </p:nvPr>
+        </p:nvSpPr>
+        <p:spPr/>
+        <p:txBody>
+          <a:bodyPr/>
+          <a:lstStyle>
+            <a:lvl1pPr fontAlgn="base">
+              <a:spcBef>
+                <a:spcPct val="0"/>
+              </a:spcBef>
+              <a:spcAft>
+                <a:spcPct val="0"/>
+              </a:spcAft>
+              <a:defRPr>
+                <a:solidFill>
+                  <a:srgbClr val="505050"/>
+                </a:solidFill>
+              </a:defRPr>
+            </a:lvl1pPr>
+          </a:lstStyle>
+          <a:p>
+            <a:pPr>
+              <a:defRPr/>
+            </a:pPr>
+            <a:endParaRPr/>
+          </a:p>
+        </p:txBody>
+      </p:sp>
+      <p:sp>
+        <p:nvSpPr>
+          <p:cNvPr id="5" name="Slide Number Placeholder 3"/>
+          <p:cNvSpPr>
+            <a:spLocks noGrp="1"/>
+          </p:cNvSpPr>
+          <p:nvPr>
+            <p:ph type="sldNum" sz="quarter" idx="15"/>
+          </p:nvPr>
+        </p:nvSpPr>
+        <p:spPr/>
+        <p:txBody>
+          <a:bodyPr/>
+          <a:lstStyle>
+            <a:lvl1pPr>
+              <a:defRPr/>
+            </a:lvl1pPr>
+          </a:lstStyle>
+          <a:p>
+            <a:endParaRPr lang="en-US"/>
+          </a:p>
+        </p:txBody>
+      </p:sp>
+    </p:spTree>
+    <p:extLst>
+      <p:ext uri="{BB962C8B-B14F-4D97-AF65-F5344CB8AC3E}">
+        <p14:creationId xmlns:p14="http://schemas.microsoft.com/office/powerpoint/2010/main" val="3515858324"/>
+      </p:ext>
+    </p:extLst>
+  </p:cSld>
+  <p:clrMapOvr>
+    <a:overrideClrMapping bg1="lt1" tx1="dk1" bg2="lt2" tx2="dk2" accent1="accent1" accent2="accent2" accent3="accent3" accent4="accent4" accent5="accent5" accent6="accent6" hlink="hlink" folHlink="folHlink"/>
+  </p:clrMapOvr>
+  <p:transition spd="med">
+    <p:fade/>
+  </p:transition>
+</p:sldLayout>
+</file>
+
+<file path=ppt/slideLayouts/slideLayout31.xml><?xml version="1.0" encoding="utf-8"?>
 <p:sldLayout xmlns:a="http://schemas.openxmlformats.org/drawingml/2006/main" xmlns:r="http://schemas.openxmlformats.org/officeDocument/2006/relationships" xmlns:p="http://schemas.openxmlformats.org/presentationml/2006/main" preserve="1" userDrawn="1">
   <p:cSld name="Blank Layout">
     <p:spTree>
@@ -11012,7 +11290,7 @@
           <p:nvPr userDrawn="1"/>
         </p:nvPicPr>
         <p:blipFill>
-          <a:blip r:embed="rId19"/>
+          <a:blip r:embed="rId20"/>
           <a:stretch>
             <a:fillRect/>
           </a:stretch>
@@ -11053,6 +11331,7 @@
     <p:sldLayoutId id="2147483679" r:id="rId15"/>
     <p:sldLayoutId id="2147483809" r:id="rId16"/>
     <p:sldLayoutId id="2147483810" r:id="rId17"/>
+    <p:sldLayoutId id="2147483811" r:id="rId18"/>
   </p:sldLayoutIdLst>
   <p:transition>
     <p:fade/>
@@ -11719,7 +11998,7 @@
             <a:fld id="{0A627400-D089-7447-864B-77479EBD4214}" type="datetimeFigureOut">
               <a:rPr lang="en-US" smtClean="0"/>
               <a:pPr/>
-              <a:t>4/2/2022</a:t>
+              <a:t>5/15/2022</a:t>
             </a:fld>
             <a:endParaRPr lang="en-US"/>
           </a:p>
@@ -12448,6 +12727,74 @@
 </file>
 
 <file path=ppt/slides/slide2.xml><?xml version="1.0" encoding="utf-8"?>
+<p:sld xmlns:a="http://schemas.openxmlformats.org/drawingml/2006/main" xmlns:r="http://schemas.openxmlformats.org/officeDocument/2006/relationships" xmlns:p="http://schemas.openxmlformats.org/presentationml/2006/main">
+  <p:cSld>
+    <p:spTree>
+      <p:nvGrpSpPr>
+        <p:cNvPr id="1" name=""/>
+        <p:cNvGrpSpPr/>
+        <p:nvPr/>
+      </p:nvGrpSpPr>
+      <p:grpSpPr>
+        <a:xfrm>
+          <a:off x="0" y="0"/>
+          <a:ext cx="0" cy="0"/>
+          <a:chOff x="0" y="0"/>
+          <a:chExt cx="0" cy="0"/>
+        </a:xfrm>
+      </p:grpSpPr>
+      <p:sp>
+        <p:nvSpPr>
+          <p:cNvPr id="3" name="Title 2">
+            <a:extLst>
+              <a:ext uri="{FF2B5EF4-FFF2-40B4-BE49-F238E27FC236}">
+                <a16:creationId xmlns:a16="http://schemas.microsoft.com/office/drawing/2014/main" id="{652E2BA4-9FC0-4828-A940-3704183398DF}"/>
+              </a:ext>
+            </a:extLst>
+          </p:cNvPr>
+          <p:cNvSpPr>
+            <a:spLocks noGrp="1"/>
+          </p:cNvSpPr>
+          <p:nvPr>
+            <p:ph type="title"/>
+          </p:nvPr>
+        </p:nvSpPr>
+        <p:spPr/>
+        <p:txBody>
+          <a:bodyPr/>
+          <a:lstStyle/>
+          <a:p>
+            <a:r>
+              <a:rPr lang="es-ES" sz="7200" dirty="0">
+                <a:solidFill>
+                  <a:schemeClr val="bg1"/>
+                </a:solidFill>
+              </a:rPr>
+              <a:t>MVVM</a:t>
+            </a:r>
+            <a:endParaRPr lang="en-US" sz="7200" dirty="0">
+              <a:solidFill>
+                <a:schemeClr val="bg1"/>
+              </a:solidFill>
+            </a:endParaRPr>
+          </a:p>
+        </p:txBody>
+      </p:sp>
+    </p:spTree>
+    <p:extLst>
+      <p:ext uri="{BB962C8B-B14F-4D97-AF65-F5344CB8AC3E}">
+        <p14:creationId xmlns:p14="http://schemas.microsoft.com/office/powerpoint/2010/main" val="970838278"/>
+      </p:ext>
+    </p:extLst>
+  </p:cSld>
+  <p:clrMapOvr>
+    <a:masterClrMapping/>
+  </p:clrMapOvr>
+  <p:transition spd="med"/>
+</p:sld>
+</file>
+
+<file path=ppt/slides/slide3.xml><?xml version="1.0" encoding="utf-8"?>
 <p:sld xmlns:a="http://schemas.openxmlformats.org/drawingml/2006/main" xmlns:r="http://schemas.openxmlformats.org/officeDocument/2006/relationships" xmlns:p="http://schemas.openxmlformats.org/presentationml/2006/main">
   <p:cSld>
     <p:spTree>
@@ -13492,7 +13839,7 @@
 </p:sld>
 </file>
 
-<file path=ppt/slides/slide3.xml><?xml version="1.0" encoding="utf-8"?>
+<file path=ppt/slides/slide4.xml><?xml version="1.0" encoding="utf-8"?>
 <p:sld xmlns:a="http://schemas.openxmlformats.org/drawingml/2006/main" xmlns:r="http://schemas.openxmlformats.org/officeDocument/2006/relationships" xmlns:p="http://schemas.openxmlformats.org/presentationml/2006/main">
   <p:cSld>
     <p:spTree>
@@ -14204,7 +14551,432 @@
 </p:sld>
 </file>
 
-<file path=ppt/slides/slide4.xml><?xml version="1.0" encoding="utf-8"?>
+<file path=ppt/slides/slide5.xml><?xml version="1.0" encoding="utf-8"?>
+<p:sld xmlns:a="http://schemas.openxmlformats.org/drawingml/2006/main" xmlns:r="http://schemas.openxmlformats.org/officeDocument/2006/relationships" xmlns:p="http://schemas.openxmlformats.org/presentationml/2006/main">
+  <p:cSld>
+    <p:spTree>
+      <p:nvGrpSpPr>
+        <p:cNvPr id="1" name=""/>
+        <p:cNvGrpSpPr/>
+        <p:nvPr/>
+      </p:nvGrpSpPr>
+      <p:grpSpPr>
+        <a:xfrm>
+          <a:off x="0" y="0"/>
+          <a:ext cx="0" cy="0"/>
+          <a:chOff x="0" y="0"/>
+          <a:chExt cx="0" cy="0"/>
+        </a:xfrm>
+      </p:grpSpPr>
+      <p:sp>
+        <p:nvSpPr>
+          <p:cNvPr id="3" name="Title 2">
+            <a:extLst>
+              <a:ext uri="{FF2B5EF4-FFF2-40B4-BE49-F238E27FC236}">
+                <a16:creationId xmlns:a16="http://schemas.microsoft.com/office/drawing/2014/main" id="{652E2BA4-9FC0-4828-A940-3704183398DF}"/>
+              </a:ext>
+            </a:extLst>
+          </p:cNvPr>
+          <p:cNvSpPr>
+            <a:spLocks noGrp="1"/>
+          </p:cNvSpPr>
+          <p:nvPr>
+            <p:ph type="title"/>
+          </p:nvPr>
+        </p:nvSpPr>
+        <p:spPr/>
+        <p:txBody>
+          <a:bodyPr/>
+          <a:lstStyle/>
+          <a:p>
+            <a:r>
+              <a:rPr lang="es-ES" sz="7200" dirty="0">
+                <a:solidFill>
+                  <a:schemeClr val="bg1"/>
+                </a:solidFill>
+              </a:rPr>
+              <a:t>¿Por qué MVVM?</a:t>
+            </a:r>
+            <a:endParaRPr lang="en-US" sz="7200" dirty="0">
+              <a:solidFill>
+                <a:schemeClr val="bg1"/>
+              </a:solidFill>
+            </a:endParaRPr>
+          </a:p>
+        </p:txBody>
+      </p:sp>
+    </p:spTree>
+    <p:extLst>
+      <p:ext uri="{BB962C8B-B14F-4D97-AF65-F5344CB8AC3E}">
+        <p14:creationId xmlns:p14="http://schemas.microsoft.com/office/powerpoint/2010/main" val="3808263434"/>
+      </p:ext>
+    </p:extLst>
+  </p:cSld>
+  <p:clrMapOvr>
+    <a:masterClrMapping/>
+  </p:clrMapOvr>
+  <p:transition spd="med"/>
+</p:sld>
+</file>
+
+<file path=ppt/slides/slide6.xml><?xml version="1.0" encoding="utf-8"?>
+<p:sld xmlns:a="http://schemas.openxmlformats.org/drawingml/2006/main" xmlns:r="http://schemas.openxmlformats.org/officeDocument/2006/relationships" xmlns:p="http://schemas.openxmlformats.org/presentationml/2006/main">
+  <p:cSld>
+    <p:spTree>
+      <p:nvGrpSpPr>
+        <p:cNvPr id="1" name=""/>
+        <p:cNvGrpSpPr/>
+        <p:nvPr/>
+      </p:nvGrpSpPr>
+      <p:grpSpPr>
+        <a:xfrm>
+          <a:off x="0" y="0"/>
+          <a:ext cx="0" cy="0"/>
+          <a:chOff x="0" y="0"/>
+          <a:chExt cx="0" cy="0"/>
+        </a:xfrm>
+      </p:grpSpPr>
+      <p:sp>
+        <p:nvSpPr>
+          <p:cNvPr id="10" name="Text Placeholder 2"/>
+          <p:cNvSpPr txBox="1">
+            <a:spLocks/>
+          </p:cNvSpPr>
+          <p:nvPr/>
+        </p:nvSpPr>
+        <p:spPr>
+          <a:xfrm>
+            <a:off x="418644" y="1412045"/>
+            <a:ext cx="9564587" cy="4706231"/>
+          </a:xfrm>
+          <a:prstGeom prst="rect">
+            <a:avLst/>
+          </a:prstGeom>
+        </p:spPr>
+        <p:txBody>
+          <a:bodyPr/>
+          <a:lstStyle>
+            <a:lvl1pPr marL="342900" indent="-342900" algn="l" defTabSz="914400" rtl="0" eaLnBrk="1" latinLnBrk="0" hangingPunct="1">
+              <a:spcBef>
+                <a:spcPct val="20000"/>
+              </a:spcBef>
+              <a:buFont typeface="Arial" pitchFamily="34" charset="0"/>
+              <a:buChar char="•"/>
+              <a:defRPr sz="3200" kern="1200">
+                <a:solidFill>
+                  <a:schemeClr val="tx1"/>
+                </a:solidFill>
+                <a:latin typeface="+mn-lt"/>
+                <a:ea typeface="+mn-ea"/>
+                <a:cs typeface="+mn-cs"/>
+              </a:defRPr>
+            </a:lvl1pPr>
+            <a:lvl2pPr marL="742950" indent="-285750" algn="l" defTabSz="914400" rtl="0" eaLnBrk="1" latinLnBrk="0" hangingPunct="1">
+              <a:spcBef>
+                <a:spcPct val="20000"/>
+              </a:spcBef>
+              <a:buFont typeface="Arial" pitchFamily="34" charset="0"/>
+              <a:buChar char="–"/>
+              <a:defRPr sz="2800" kern="1200">
+                <a:solidFill>
+                  <a:schemeClr val="tx1"/>
+                </a:solidFill>
+                <a:latin typeface="+mn-lt"/>
+                <a:ea typeface="+mn-ea"/>
+                <a:cs typeface="+mn-cs"/>
+              </a:defRPr>
+            </a:lvl2pPr>
+            <a:lvl3pPr marL="1143000" indent="-228600" algn="l" defTabSz="914400" rtl="0" eaLnBrk="1" latinLnBrk="0" hangingPunct="1">
+              <a:spcBef>
+                <a:spcPct val="20000"/>
+              </a:spcBef>
+              <a:buFont typeface="Arial" pitchFamily="34" charset="0"/>
+              <a:buChar char="•"/>
+              <a:defRPr sz="2400" kern="1200">
+                <a:solidFill>
+                  <a:schemeClr val="tx1"/>
+                </a:solidFill>
+                <a:latin typeface="+mn-lt"/>
+                <a:ea typeface="+mn-ea"/>
+                <a:cs typeface="+mn-cs"/>
+              </a:defRPr>
+            </a:lvl3pPr>
+            <a:lvl4pPr marL="1600200" indent="-228600" algn="l" defTabSz="914400" rtl="0" eaLnBrk="1" latinLnBrk="0" hangingPunct="1">
+              <a:spcBef>
+                <a:spcPct val="20000"/>
+              </a:spcBef>
+              <a:buFont typeface="Arial" pitchFamily="34" charset="0"/>
+              <a:buChar char="–"/>
+              <a:defRPr sz="2000" kern="1200">
+                <a:solidFill>
+                  <a:schemeClr val="tx1"/>
+                </a:solidFill>
+                <a:latin typeface="+mn-lt"/>
+                <a:ea typeface="+mn-ea"/>
+                <a:cs typeface="+mn-cs"/>
+              </a:defRPr>
+            </a:lvl4pPr>
+            <a:lvl5pPr marL="2057400" indent="-228600" algn="l" defTabSz="914400" rtl="0" eaLnBrk="1" latinLnBrk="0" hangingPunct="1">
+              <a:spcBef>
+                <a:spcPct val="20000"/>
+              </a:spcBef>
+              <a:buFont typeface="Arial" pitchFamily="34" charset="0"/>
+              <a:buChar char="»"/>
+              <a:defRPr sz="2000" kern="1200">
+                <a:solidFill>
+                  <a:schemeClr val="tx1"/>
+                </a:solidFill>
+                <a:latin typeface="+mn-lt"/>
+                <a:ea typeface="+mn-ea"/>
+                <a:cs typeface="+mn-cs"/>
+              </a:defRPr>
+            </a:lvl5pPr>
+            <a:lvl6pPr marL="2514600" indent="-228600" algn="l" defTabSz="914400" rtl="0" eaLnBrk="1" latinLnBrk="0" hangingPunct="1">
+              <a:spcBef>
+                <a:spcPct val="20000"/>
+              </a:spcBef>
+              <a:buFont typeface="Arial" pitchFamily="34" charset="0"/>
+              <a:buChar char="•"/>
+              <a:defRPr sz="2000" kern="1200">
+                <a:solidFill>
+                  <a:schemeClr val="tx1"/>
+                </a:solidFill>
+                <a:latin typeface="+mn-lt"/>
+                <a:ea typeface="+mn-ea"/>
+                <a:cs typeface="+mn-cs"/>
+              </a:defRPr>
+            </a:lvl6pPr>
+            <a:lvl7pPr marL="2971800" indent="-228600" algn="l" defTabSz="914400" rtl="0" eaLnBrk="1" latinLnBrk="0" hangingPunct="1">
+              <a:spcBef>
+                <a:spcPct val="20000"/>
+              </a:spcBef>
+              <a:buFont typeface="Arial" pitchFamily="34" charset="0"/>
+              <a:buChar char="•"/>
+              <a:defRPr sz="2000" kern="1200">
+                <a:solidFill>
+                  <a:schemeClr val="tx1"/>
+                </a:solidFill>
+                <a:latin typeface="+mn-lt"/>
+                <a:ea typeface="+mn-ea"/>
+                <a:cs typeface="+mn-cs"/>
+              </a:defRPr>
+            </a:lvl7pPr>
+            <a:lvl8pPr marL="3429000" indent="-228600" algn="l" defTabSz="914400" rtl="0" eaLnBrk="1" latinLnBrk="0" hangingPunct="1">
+              <a:spcBef>
+                <a:spcPct val="20000"/>
+              </a:spcBef>
+              <a:buFont typeface="Arial" pitchFamily="34" charset="0"/>
+              <a:buChar char="•"/>
+              <a:defRPr sz="2000" kern="1200">
+                <a:solidFill>
+                  <a:schemeClr val="tx1"/>
+                </a:solidFill>
+                <a:latin typeface="+mn-lt"/>
+                <a:ea typeface="+mn-ea"/>
+                <a:cs typeface="+mn-cs"/>
+              </a:defRPr>
+            </a:lvl8pPr>
+            <a:lvl9pPr marL="3886200" indent="-228600" algn="l" defTabSz="914400" rtl="0" eaLnBrk="1" latinLnBrk="0" hangingPunct="1">
+              <a:spcBef>
+                <a:spcPct val="20000"/>
+              </a:spcBef>
+              <a:buFont typeface="Arial" pitchFamily="34" charset="0"/>
+              <a:buChar char="•"/>
+              <a:defRPr sz="2000" kern="1200">
+                <a:solidFill>
+                  <a:schemeClr val="tx1"/>
+                </a:solidFill>
+                <a:latin typeface="+mn-lt"/>
+                <a:ea typeface="+mn-ea"/>
+                <a:cs typeface="+mn-cs"/>
+              </a:defRPr>
+            </a:lvl9pPr>
+          </a:lstStyle>
+          <a:p>
+            <a:r>
+              <a:rPr lang="en-US" dirty="0"/>
+              <a:t>Mayor </a:t>
+            </a:r>
+            <a:r>
+              <a:rPr lang="en-US" dirty="0" err="1"/>
+              <a:t>facilidad</a:t>
+            </a:r>
+            <a:r>
+              <a:rPr lang="en-US" dirty="0"/>
+              <a:t> para </a:t>
+            </a:r>
+            <a:r>
+              <a:rPr lang="en-US" dirty="0" err="1"/>
+              <a:t>mantener</a:t>
+            </a:r>
+            <a:r>
+              <a:rPr lang="en-US" dirty="0"/>
+              <a:t>, extender y </a:t>
+            </a:r>
+            <a:r>
+              <a:rPr lang="en-US" b="1" dirty="0" err="1"/>
+              <a:t>compartir</a:t>
+            </a:r>
+            <a:r>
+              <a:rPr lang="en-US" dirty="0"/>
+              <a:t> el </a:t>
+            </a:r>
+            <a:r>
+              <a:rPr lang="en-US" dirty="0" err="1"/>
+              <a:t>código</a:t>
+            </a:r>
+            <a:r>
+              <a:rPr lang="en-US" dirty="0"/>
+              <a:t>.</a:t>
+            </a:r>
+          </a:p>
+          <a:p>
+            <a:r>
+              <a:rPr lang="en-US" dirty="0" err="1"/>
+              <a:t>Más</a:t>
+            </a:r>
+            <a:r>
+              <a:rPr lang="en-US" dirty="0"/>
+              <a:t> </a:t>
+            </a:r>
+            <a:r>
+              <a:rPr lang="en-US" dirty="0" err="1"/>
+              <a:t>facilidad</a:t>
+            </a:r>
+            <a:r>
+              <a:rPr lang="en-US" dirty="0"/>
+              <a:t> a la hora de </a:t>
+            </a:r>
+            <a:r>
+              <a:rPr lang="en-US" dirty="0" err="1"/>
+              <a:t>colaborar</a:t>
+            </a:r>
+            <a:r>
+              <a:rPr lang="en-US" dirty="0"/>
+              <a:t>.</a:t>
+            </a:r>
+          </a:p>
+          <a:p>
+            <a:r>
+              <a:rPr lang="en-US" b="1" dirty="0"/>
+              <a:t>Testing</a:t>
+            </a:r>
+            <a:r>
+              <a:rPr lang="en-US" dirty="0"/>
+              <a:t>.</a:t>
+            </a:r>
+          </a:p>
+          <a:p>
+            <a:r>
+              <a:rPr lang="en-US" dirty="0" err="1"/>
+              <a:t>Más</a:t>
+            </a:r>
+            <a:r>
+              <a:rPr lang="en-US" dirty="0"/>
+              <a:t> </a:t>
+            </a:r>
+            <a:r>
+              <a:rPr lang="en-US" dirty="0" err="1"/>
+              <a:t>fácil</a:t>
+            </a:r>
+            <a:r>
+              <a:rPr lang="en-US" dirty="0"/>
+              <a:t> de </a:t>
+            </a:r>
+            <a:r>
+              <a:rPr lang="en-US" b="1" dirty="0" err="1"/>
+              <a:t>diseñar</a:t>
+            </a:r>
+            <a:r>
+              <a:rPr lang="en-US" dirty="0"/>
+              <a:t>.</a:t>
+            </a:r>
+          </a:p>
+        </p:txBody>
+      </p:sp>
+      <p:sp>
+        <p:nvSpPr>
+          <p:cNvPr id="6" name="Title 2"/>
+          <p:cNvSpPr txBox="1">
+            <a:spLocks/>
+          </p:cNvSpPr>
+          <p:nvPr/>
+        </p:nvSpPr>
+        <p:spPr>
+          <a:xfrm>
+            <a:off x="269241" y="289958"/>
+            <a:ext cx="11655840" cy="899537"/>
+          </a:xfrm>
+          <a:prstGeom prst="rect">
+            <a:avLst/>
+          </a:prstGeom>
+        </p:spPr>
+        <p:txBody>
+          <a:bodyPr vert="horz" wrap="square" lIns="143428" tIns="89643" rIns="143428" bIns="89643" rtlCol="0" anchor="b">
+            <a:noAutofit/>
+          </a:bodyPr>
+          <a:lstStyle>
+            <a:lvl1pPr algn="ctr" defTabSz="932742" rtl="0" eaLnBrk="1" latinLnBrk="0" hangingPunct="1">
+              <a:lnSpc>
+                <a:spcPct val="90000"/>
+              </a:lnSpc>
+              <a:spcBef>
+                <a:spcPct val="0"/>
+              </a:spcBef>
+              <a:buNone/>
+              <a:defRPr lang="en-US" sz="6119" b="0" kern="1200" cap="none" spc="-102" baseline="0">
+                <a:ln w="3175">
+                  <a:noFill/>
+                </a:ln>
+                <a:gradFill>
+                  <a:gsLst>
+                    <a:gs pos="1250">
+                      <a:schemeClr val="tx1"/>
+                    </a:gs>
+                    <a:gs pos="100000">
+                      <a:schemeClr val="tx1"/>
+                    </a:gs>
+                  </a:gsLst>
+                  <a:lin ang="5400000" scaled="0"/>
+                </a:gradFill>
+                <a:effectLst/>
+                <a:latin typeface="+mj-lt"/>
+                <a:ea typeface="+mn-ea"/>
+                <a:cs typeface="Segoe UI" pitchFamily="34" charset="0"/>
+              </a:defRPr>
+            </a:lvl1pPr>
+          </a:lstStyle>
+          <a:p>
+            <a:pPr algn="l"/>
+            <a:r>
+              <a:rPr lang="pt-BR" sz="3733" dirty="0"/>
+              <a:t>Pero... ¿Por </a:t>
+            </a:r>
+            <a:r>
+              <a:rPr lang="pt-BR" sz="3733" dirty="0" err="1"/>
+              <a:t>qué</a:t>
+            </a:r>
+            <a:r>
+              <a:rPr lang="pt-BR" sz="3733" dirty="0"/>
+              <a:t> MVVM?</a:t>
+            </a:r>
+          </a:p>
+        </p:txBody>
+      </p:sp>
+    </p:spTree>
+    <p:extLst>
+      <p:ext uri="{BB962C8B-B14F-4D97-AF65-F5344CB8AC3E}">
+        <p14:creationId xmlns:p14="http://schemas.microsoft.com/office/powerpoint/2010/main" val="1119780776"/>
+      </p:ext>
+    </p:extLst>
+  </p:cSld>
+  <p:clrMapOvr>
+    <a:masterClrMapping/>
+  </p:clrMapOvr>
+</p:sld>
+</file>
+
+<file path=ppt/slides/slide7.xml><?xml version="1.0" encoding="utf-8"?>
 <p:sld xmlns:a="http://schemas.openxmlformats.org/drawingml/2006/main" xmlns:r="http://schemas.openxmlformats.org/officeDocument/2006/relationships" xmlns:p="http://schemas.openxmlformats.org/presentationml/2006/main">
   <p:cSld>
     <p:spTree>
